--- a/Final Project(Quantize-Me-Not)/Final Presentation.pptx
+++ b/Final Project(Quantize-Me-Not)/Final Presentation.pptx
@@ -110,6 +110,11 @@
       </a:defRPr>
     </a:lvl9pPr>
   </p:defaultTextStyle>
+  <p:extLst>
+    <p:ext uri="{EFAFB233-063F-42B5-8137-9DF3F51BA10A}">
+      <p15:sldGuideLst xmlns:p15="http://schemas.microsoft.com/office/powerpoint/2012/main"/>
+    </p:ext>
+  </p:extLst>
 </p:presentation>
 </file>
 
@@ -3438,8 +3443,8 @@
         </p:nvSpPr>
         <p:spPr>
           <a:xfrm>
-            <a:off x="838200" y="365125"/>
-            <a:ext cx="11175124" cy="6161799"/>
+            <a:off x="1545020" y="365125"/>
+            <a:ext cx="10468303" cy="6161799"/>
           </a:xfrm>
         </p:spPr>
         <p:txBody>
